--- a/1 기능 정의/project05 - 기능 정의 - 기범.pptx
+++ b/1 기능 정의/project05 - 기능 정의 - 기범.pptx
@@ -246,7 +246,7 @@
   </p:defaultTextStyle>
   <p:extLst>
     <p:ext uri="{EFAFB233-063F-42B5-8137-9DF3F51BA10A}">
-      <p15:sldGuideLst xmlns:p15="http://schemas.microsoft.com/office/powerpoint/2012/main">
+      <p15:sldGuideLst xmlns:p15="http://schemas.microsoft.com/office/powerpoint/2012/main" xmlns="">
         <p15:guide id="1" orient="horz" pos="2160">
           <p15:clr>
             <a:srgbClr val="A4A3A4"/>
@@ -260,7 +260,7 @@
       </p15:sldGuideLst>
     </p:ext>
     <p:ext uri="http://customooxmlschemas.google.com/">
-      <go:slidesCustomData xmlns:go="http://customooxmlschemas.google.com/" xmlns:p15="http://schemas.microsoft.com/office/powerpoint/2012/main" xmlns:p14="http://schemas.microsoft.com/office/powerpoint/2010/main" xmlns:com="http://schemas.openxmlformats.org/drawingml/2006/compatibility" xmlns:pvml="urn:schemas-microsoft-com:office:powerpoint" xmlns:v="urn:schemas-microsoft-com:vml" xmlns:o="urn:schemas-microsoft-com:office:office" xmlns:dgm="http://schemas.openxmlformats.org/drawingml/2006/diagram" xmlns:c="http://schemas.openxmlformats.org/drawingml/2006/chart" xmlns:mv="urn:schemas-microsoft-com:mac:vml" xmlns:mc="http://schemas.openxmlformats.org/markup-compatibility/2006" xmlns="" r:id="rId13" roundtripDataSignature="AMtx7mj/88FBcqyPPfmGLIPH4pRldKDPVw=="/>
+      <go:slidesCustomData xmlns="" xmlns:mc="http://schemas.openxmlformats.org/markup-compatibility/2006" xmlns:mv="urn:schemas-microsoft-com:mac:vml" xmlns:c="http://schemas.openxmlformats.org/drawingml/2006/chart" xmlns:dgm="http://schemas.openxmlformats.org/drawingml/2006/diagram" xmlns:o="urn:schemas-microsoft-com:office:office" xmlns:v="urn:schemas-microsoft-com:vml" xmlns:pvml="urn:schemas-microsoft-com:office:powerpoint" xmlns:com="http://schemas.openxmlformats.org/drawingml/2006/compatibility" xmlns:p14="http://schemas.microsoft.com/office/powerpoint/2010/main" xmlns:p15="http://schemas.microsoft.com/office/powerpoint/2012/main" xmlns:go="http://customooxmlschemas.google.com/" r:id="rId13" roundtripDataSignature="AMtx7mj/88FBcqyPPfmGLIPH4pRldKDPVw=="/>
     </p:ext>
   </p:extLst>
 </p:presentation>
@@ -1837,6 +1837,15 @@
             </a:pPr>
             <a:fld id="{00000000-1234-1234-1234-123412341234}" type="slidenum">
               <a:rPr lang="ko-KR"/>
+              <a:pPr marL="0" lvl="0" indent="0" algn="r" rtl="0">
+                <a:spcBef>
+                  <a:spcPts val="0"/>
+                </a:spcBef>
+                <a:spcAft>
+                  <a:spcPts val="0"/>
+                </a:spcAft>
+                <a:buNone/>
+              </a:pPr>
               <a:t>‹#›</a:t>
             </a:fld>
             <a:endParaRPr/>
@@ -2564,6 +2573,15 @@
             </a:pPr>
             <a:fld id="{00000000-1234-1234-1234-123412341234}" type="slidenum">
               <a:rPr lang="ko-KR"/>
+              <a:pPr marL="0" lvl="0" indent="0" algn="r" rtl="0">
+                <a:spcBef>
+                  <a:spcPts val="0"/>
+                </a:spcBef>
+                <a:spcAft>
+                  <a:spcPts val="0"/>
+                </a:spcAft>
+                <a:buNone/>
+              </a:pPr>
               <a:t>‹#›</a:t>
             </a:fld>
             <a:endParaRPr/>
@@ -3291,6 +3309,15 @@
             </a:pPr>
             <a:fld id="{00000000-1234-1234-1234-123412341234}" type="slidenum">
               <a:rPr lang="ko-KR"/>
+              <a:pPr marL="0" lvl="0" indent="0" algn="r" rtl="0">
+                <a:spcBef>
+                  <a:spcPts val="0"/>
+                </a:spcBef>
+                <a:spcAft>
+                  <a:spcPts val="0"/>
+                </a:spcAft>
+                <a:buNone/>
+              </a:pPr>
               <a:t>‹#›</a:t>
             </a:fld>
             <a:endParaRPr/>
@@ -4018,6 +4045,15 @@
             </a:pPr>
             <a:fld id="{00000000-1234-1234-1234-123412341234}" type="slidenum">
               <a:rPr lang="ko-KR"/>
+              <a:pPr marL="0" lvl="0" indent="0" algn="r" rtl="0">
+                <a:spcBef>
+                  <a:spcPts val="0"/>
+                </a:spcBef>
+                <a:spcAft>
+                  <a:spcPts val="0"/>
+                </a:spcAft>
+                <a:buNone/>
+              </a:pPr>
               <a:t>‹#›</a:t>
             </a:fld>
             <a:endParaRPr/>
@@ -4782,6 +4818,15 @@
             </a:pPr>
             <a:fld id="{00000000-1234-1234-1234-123412341234}" type="slidenum">
               <a:rPr lang="ko-KR"/>
+              <a:pPr marL="0" lvl="0" indent="0" algn="r" rtl="0">
+                <a:spcBef>
+                  <a:spcPts val="0"/>
+                </a:spcBef>
+                <a:spcAft>
+                  <a:spcPts val="0"/>
+                </a:spcAft>
+                <a:buNone/>
+              </a:pPr>
               <a:t>‹#›</a:t>
             </a:fld>
             <a:endParaRPr/>
@@ -5696,6 +5741,15 @@
             </a:pPr>
             <a:fld id="{00000000-1234-1234-1234-123412341234}" type="slidenum">
               <a:rPr lang="ko-KR"/>
+              <a:pPr marL="0" lvl="0" indent="0" algn="r" rtl="0">
+                <a:spcBef>
+                  <a:spcPts val="0"/>
+                </a:spcBef>
+                <a:spcAft>
+                  <a:spcPts val="0"/>
+                </a:spcAft>
+                <a:buNone/>
+              </a:pPr>
               <a:t>‹#›</a:t>
             </a:fld>
             <a:endParaRPr/>
@@ -6984,6 +7038,15 @@
             </a:pPr>
             <a:fld id="{00000000-1234-1234-1234-123412341234}" type="slidenum">
               <a:rPr lang="ko-KR"/>
+              <a:pPr marL="0" lvl="0" indent="0" algn="r" rtl="0">
+                <a:spcBef>
+                  <a:spcPts val="0"/>
+                </a:spcBef>
+                <a:spcAft>
+                  <a:spcPts val="0"/>
+                </a:spcAft>
+                <a:buNone/>
+              </a:pPr>
               <a:t>‹#›</a:t>
             </a:fld>
             <a:endParaRPr/>
@@ -7524,6 +7587,15 @@
             </a:pPr>
             <a:fld id="{00000000-1234-1234-1234-123412341234}" type="slidenum">
               <a:rPr lang="ko-KR"/>
+              <a:pPr marL="0" lvl="0" indent="0" algn="r" rtl="0">
+                <a:spcBef>
+                  <a:spcPts val="0"/>
+                </a:spcBef>
+                <a:spcAft>
+                  <a:spcPts val="0"/>
+                </a:spcAft>
+                <a:buNone/>
+              </a:pPr>
               <a:t>‹#›</a:t>
             </a:fld>
             <a:endParaRPr/>
@@ -7925,6 +7997,15 @@
             </a:pPr>
             <a:fld id="{00000000-1234-1234-1234-123412341234}" type="slidenum">
               <a:rPr lang="ko-KR"/>
+              <a:pPr marL="0" lvl="0" indent="0" algn="r" rtl="0">
+                <a:spcBef>
+                  <a:spcPts val="0"/>
+                </a:spcBef>
+                <a:spcAft>
+                  <a:spcPts val="0"/>
+                </a:spcAft>
+                <a:buNone/>
+              </a:pPr>
               <a:t>‹#›</a:t>
             </a:fld>
             <a:endParaRPr/>
@@ -8840,6 +8921,15 @@
             </a:pPr>
             <a:fld id="{00000000-1234-1234-1234-123412341234}" type="slidenum">
               <a:rPr lang="ko-KR"/>
+              <a:pPr marL="0" lvl="0" indent="0" algn="r" rtl="0">
+                <a:spcBef>
+                  <a:spcPts val="0"/>
+                </a:spcBef>
+                <a:spcAft>
+                  <a:spcPts val="0"/>
+                </a:spcAft>
+                <a:buNone/>
+              </a:pPr>
               <a:t>‹#›</a:t>
             </a:fld>
             <a:endParaRPr/>
@@ -9836,6 +9926,15 @@
             </a:pPr>
             <a:fld id="{00000000-1234-1234-1234-123412341234}" type="slidenum">
               <a:rPr lang="ko-KR"/>
+              <a:pPr marL="0" lvl="0" indent="0" algn="r" rtl="0">
+                <a:spcBef>
+                  <a:spcPts val="0"/>
+                </a:spcBef>
+                <a:spcAft>
+                  <a:spcPts val="0"/>
+                </a:spcAft>
+                <a:buNone/>
+              </a:pPr>
               <a:t>‹#›</a:t>
             </a:fld>
             <a:endParaRPr/>
@@ -10877,6 +10976,15 @@
             </a:pPr>
             <a:fld id="{00000000-1234-1234-1234-123412341234}" type="slidenum">
               <a:rPr lang="ko-KR"/>
+              <a:pPr marL="0" lvl="0" indent="0" algn="r" rtl="0">
+                <a:spcBef>
+                  <a:spcPts val="0"/>
+                </a:spcBef>
+                <a:spcAft>
+                  <a:spcPts val="0"/>
+                </a:spcAft>
+                <a:buNone/>
+              </a:pPr>
               <a:t>‹#›</a:t>
             </a:fld>
             <a:endParaRPr/>
@@ -11788,10 +11896,10 @@
               <a:buNone/>
             </a:pPr>
             <a:r>
-              <a:rPr lang="ko-KR"/>
+              <a:rPr lang="ko-KR" dirty="0"/>
               <a:t>사용자 기능</a:t>
             </a:r>
-            <a:endParaRPr/>
+            <a:endParaRPr dirty="0"/>
           </a:p>
         </p:txBody>
       </p:sp>
@@ -11878,7 +11986,235 @@
               </a:rPr>
               <a:t>공통</a:t>
             </a:r>
+            <a:r>
+              <a:rPr lang="en-US" altLang="ko-KR" sz="3000" b="1" dirty="0" smtClean="0">
+                <a:latin typeface="Impact"/>
+                <a:ea typeface="Impact"/>
+                <a:cs typeface="Impact"/>
+                <a:sym typeface="Impact"/>
+              </a:rPr>
+              <a:t>			</a:t>
+            </a:r>
+            <a:r>
+              <a:rPr lang="ko-KR" altLang="en-US" sz="3000" b="1" dirty="0" smtClean="0">
+                <a:latin typeface="Impact"/>
+                <a:ea typeface="Impact"/>
+                <a:cs typeface="Impact"/>
+                <a:sym typeface="Impact"/>
+              </a:rPr>
+              <a:t>서비스 제공자</a:t>
+            </a:r>
             <a:endParaRPr sz="1800" dirty="0"/>
+          </a:p>
+        </p:txBody>
+      </p:sp>
+      <p:sp>
+        <p:nvSpPr>
+          <p:cNvPr id="4" name="TextBox 3"/>
+          <p:cNvSpPr txBox="1"/>
+          <p:nvPr/>
+        </p:nvSpPr>
+        <p:spPr>
+          <a:xfrm>
+            <a:off x="2005090" y="2252225"/>
+            <a:ext cx="3509319" cy="2677656"/>
+          </a:xfrm>
+          <a:prstGeom prst="rect">
+            <a:avLst/>
+          </a:prstGeom>
+          <a:noFill/>
+        </p:spPr>
+        <p:txBody>
+          <a:bodyPr wrap="square" rtlCol="0">
+            <a:spAutoFit/>
+          </a:bodyPr>
+          <a:lstStyle/>
+          <a:p>
+            <a:r>
+              <a:rPr lang="ko-KR" altLang="en-US" dirty="0" smtClean="0"/>
+              <a:t>로그인</a:t>
+            </a:r>
+            <a:r>
+              <a:rPr lang="en-US" altLang="ko-KR" dirty="0" smtClean="0"/>
+              <a:t>(</a:t>
+            </a:r>
+            <a:r>
+              <a:rPr lang="ko-KR" altLang="en-US" dirty="0" smtClean="0"/>
+              <a:t>일반</a:t>
+            </a:r>
+            <a:r>
+              <a:rPr lang="en-US" altLang="ko-KR" dirty="0" smtClean="0"/>
+              <a:t>, SNS </a:t>
+            </a:r>
+            <a:r>
+              <a:rPr lang="ko-KR" altLang="en-US" dirty="0" smtClean="0"/>
+              <a:t>로그인</a:t>
+            </a:r>
+            <a:r>
+              <a:rPr lang="en-US" altLang="ko-KR" dirty="0" smtClean="0"/>
+              <a:t>)</a:t>
+            </a:r>
+          </a:p>
+          <a:p>
+            <a:r>
+              <a:rPr lang="ko-KR" altLang="en-US" dirty="0" smtClean="0"/>
+              <a:t>회원가입</a:t>
+            </a:r>
+            <a:r>
+              <a:rPr lang="en-US" altLang="ko-KR" dirty="0" smtClean="0"/>
+              <a:t>, </a:t>
+            </a:r>
+          </a:p>
+          <a:p>
+            <a:r>
+              <a:rPr lang="ko-KR" altLang="en-US" dirty="0" smtClean="0"/>
+              <a:t>회원정보 </a:t>
+            </a:r>
+            <a:r>
+              <a:rPr lang="ko-KR" altLang="en-US" dirty="0" smtClean="0"/>
+              <a:t>수정</a:t>
+            </a:r>
+            <a:endParaRPr lang="en-US" altLang="ko-KR" dirty="0" smtClean="0"/>
+          </a:p>
+          <a:p>
+            <a:r>
+              <a:rPr lang="ko-KR" altLang="en-US" dirty="0" smtClean="0"/>
+              <a:t>서비스 예약 </a:t>
+            </a:r>
+            <a:r>
+              <a:rPr lang="en-US" altLang="ko-KR" dirty="0" smtClean="0"/>
+              <a:t>– (</a:t>
+            </a:r>
+            <a:r>
+              <a:rPr lang="ko-KR" altLang="en-US" dirty="0" smtClean="0"/>
+              <a:t>자리 예약</a:t>
+            </a:r>
+            <a:r>
+              <a:rPr lang="en-US" altLang="ko-KR" dirty="0" smtClean="0"/>
+              <a:t>)</a:t>
+            </a:r>
+            <a:endParaRPr lang="en-US" altLang="ko-KR" dirty="0" smtClean="0"/>
+          </a:p>
+          <a:p>
+            <a:r>
+              <a:rPr lang="ko-KR" altLang="en-US" dirty="0" smtClean="0"/>
+              <a:t>신청한 서비스 목록</a:t>
+            </a:r>
+            <a:endParaRPr lang="en-US" altLang="ko-KR" dirty="0" smtClean="0"/>
+          </a:p>
+          <a:p>
+            <a:r>
+              <a:rPr lang="ko-KR" altLang="en-US" dirty="0" smtClean="0"/>
+              <a:t>회원 신고</a:t>
+            </a:r>
+            <a:endParaRPr lang="en-US" altLang="ko-KR" b="1" dirty="0" smtClean="0"/>
+          </a:p>
+          <a:p>
+            <a:r>
+              <a:rPr lang="ko-KR" altLang="en-US" dirty="0" smtClean="0"/>
+              <a:t>공지사항</a:t>
+            </a:r>
+            <a:r>
+              <a:rPr lang="en-US" altLang="ko-KR" dirty="0" smtClean="0"/>
+              <a:t>, </a:t>
+            </a:r>
+          </a:p>
+          <a:p>
+            <a:r>
+              <a:rPr lang="en-US" altLang="ko-KR" dirty="0" smtClean="0"/>
+              <a:t>Q&amp;A</a:t>
+            </a:r>
+          </a:p>
+          <a:p>
+            <a:r>
+              <a:rPr lang="en-US" altLang="ko-KR" dirty="0" smtClean="0"/>
+              <a:t>1</a:t>
+            </a:r>
+            <a:r>
+              <a:rPr lang="ko-KR" altLang="en-US" dirty="0" smtClean="0"/>
+              <a:t>대</a:t>
+            </a:r>
+            <a:r>
+              <a:rPr lang="en-US" altLang="ko-KR" dirty="0" smtClean="0"/>
+              <a:t>1 </a:t>
+            </a:r>
+            <a:r>
+              <a:rPr lang="ko-KR" altLang="en-US" dirty="0" smtClean="0"/>
+              <a:t>문의</a:t>
+            </a:r>
+            <a:endParaRPr lang="en-US" altLang="ko-KR" dirty="0" smtClean="0"/>
+          </a:p>
+          <a:p>
+            <a:endParaRPr lang="en-US" altLang="ko-KR" dirty="0" smtClean="0"/>
+          </a:p>
+          <a:p>
+            <a:endParaRPr lang="en-US" altLang="ko-KR" dirty="0" smtClean="0"/>
+          </a:p>
+          <a:p>
+            <a:r>
+              <a:rPr lang="en-US" altLang="ko-KR" dirty="0" smtClean="0"/>
+              <a:t> </a:t>
+            </a:r>
+            <a:endParaRPr lang="ko-KR" altLang="en-US" dirty="0"/>
+          </a:p>
+        </p:txBody>
+      </p:sp>
+      <p:sp>
+        <p:nvSpPr>
+          <p:cNvPr id="5" name="TextBox 4"/>
+          <p:cNvSpPr txBox="1"/>
+          <p:nvPr/>
+        </p:nvSpPr>
+        <p:spPr>
+          <a:xfrm>
+            <a:off x="7221525" y="2374145"/>
+            <a:ext cx="3509319" cy="954107"/>
+          </a:xfrm>
+          <a:prstGeom prst="rect">
+            <a:avLst/>
+          </a:prstGeom>
+          <a:noFill/>
+        </p:spPr>
+        <p:txBody>
+          <a:bodyPr wrap="square" rtlCol="0">
+            <a:spAutoFit/>
+          </a:bodyPr>
+          <a:lstStyle/>
+          <a:p>
+            <a:r>
+              <a:rPr lang="ko-KR" altLang="en-US" dirty="0" smtClean="0"/>
+              <a:t>대관 신청</a:t>
+            </a:r>
+            <a:endParaRPr lang="en-US" altLang="ko-KR" dirty="0" smtClean="0"/>
+          </a:p>
+          <a:p>
+            <a:r>
+              <a:rPr lang="ko-KR" altLang="en-US" dirty="0" smtClean="0"/>
+              <a:t>서비스 관리 </a:t>
+            </a:r>
+            <a:r>
+              <a:rPr lang="en-US" altLang="ko-KR" dirty="0" smtClean="0"/>
+              <a:t>(</a:t>
+            </a:r>
+            <a:r>
+              <a:rPr lang="ko-KR" altLang="en-US" dirty="0" smtClean="0"/>
+              <a:t>서비스 제공자용</a:t>
+            </a:r>
+            <a:r>
+              <a:rPr lang="en-US" altLang="ko-KR" dirty="0" smtClean="0"/>
+              <a:t>)</a:t>
+            </a:r>
+            <a:endParaRPr lang="en-US" altLang="ko-KR" dirty="0" smtClean="0"/>
+          </a:p>
+          <a:p>
+            <a:endParaRPr lang="en-US" altLang="ko-KR" dirty="0" smtClean="0"/>
+          </a:p>
+          <a:p>
+            <a:r>
+              <a:rPr lang="en-US" altLang="ko-KR" dirty="0" smtClean="0"/>
+              <a:t> </a:t>
+            </a:r>
+            <a:endParaRPr lang="ko-KR" altLang="en-US" dirty="0"/>
           </a:p>
         </p:txBody>
       </p:sp>
@@ -11963,17 +12299,15 @@
       </p:sp>
       <p:sp>
         <p:nvSpPr>
-          <p:cNvPr id="109" name="Google Shape;109;p3"/>
+          <p:cNvPr id="4" name="내용 개체 틀 2"/>
           <p:cNvSpPr txBox="1">
-            <a:spLocks noGrp="1"/>
+            <a:spLocks/>
           </p:cNvSpPr>
-          <p:nvPr>
-            <p:ph type="body" idx="1"/>
-          </p:nvPr>
+          <p:nvPr/>
         </p:nvSpPr>
         <p:spPr>
           <a:xfrm>
-            <a:off x="838200" y="1825625"/>
+            <a:off x="981892" y="1681933"/>
             <a:ext cx="10515600" cy="4351338"/>
           </a:xfrm>
           <a:prstGeom prst="rect">
@@ -11990,20 +12324,355 @@
           </a:bodyPr>
           <a:lstStyle/>
           <a:p>
-            <a:pPr marL="457200" lvl="0" indent="-342900" algn="l" rtl="0">
-              <a:lnSpc>
-                <a:spcPct val="90000"/>
-              </a:lnSpc>
-              <a:spcBef>
-                <a:spcPts val="0"/>
-              </a:spcBef>
-              <a:spcAft>
-                <a:spcPts val="0"/>
-              </a:spcAft>
+            <a:pPr marL="457200" marR="0" lvl="0" indent="-342900" algn="l" defTabSz="914400" rtl="0" eaLnBrk="1" fontAlgn="auto" latinLnBrk="0" hangingPunct="1">
+              <a:lnSpc>
+                <a:spcPct val="90000"/>
+              </a:lnSpc>
+              <a:spcBef>
+                <a:spcPts val="1000"/>
+              </a:spcBef>
+              <a:spcAft>
+                <a:spcPts val="0"/>
+              </a:spcAft>
+              <a:buClr>
+                <a:schemeClr val="dk1"/>
+              </a:buClr>
               <a:buSzPts val="1800"/>
-              <a:buAutoNum type="arabicPeriod"/>
+              <a:buFont typeface="Arial"/>
+              <a:buChar char="•"/>
+              <a:tabLst/>
+              <a:defRPr/>
             </a:pPr>
-            <a:endParaRPr sz="1800" dirty="0"/>
+            <a:r>
+              <a:rPr kumimoji="0" lang="ko-KR" altLang="en-US" sz="2800" b="0" i="0" u="none" strike="noStrike" kern="0" cap="none" spc="0" normalizeH="0" baseline="0" noProof="0" dirty="0" smtClean="0">
+                <a:ln>
+                  <a:noFill/>
+                </a:ln>
+                <a:solidFill>
+                  <a:schemeClr val="dk1"/>
+                </a:solidFill>
+                <a:effectLst/>
+                <a:uLnTx/>
+                <a:uFillTx/>
+                <a:latin typeface="Malgun Gothic"/>
+                <a:ea typeface="Malgun Gothic"/>
+                <a:cs typeface="Malgun Gothic"/>
+                <a:sym typeface="Malgun Gothic"/>
+              </a:rPr>
+              <a:t>회원관리</a:t>
+            </a:r>
+            <a:r>
+              <a:rPr kumimoji="0" lang="en-US" altLang="ko-KR" sz="2800" b="0" i="0" u="none" strike="noStrike" kern="0" cap="none" spc="0" normalizeH="0" baseline="0" noProof="0" dirty="0" smtClean="0">
+                <a:ln>
+                  <a:noFill/>
+                </a:ln>
+                <a:solidFill>
+                  <a:schemeClr val="dk1"/>
+                </a:solidFill>
+                <a:effectLst/>
+                <a:uLnTx/>
+                <a:uFillTx/>
+                <a:latin typeface="Malgun Gothic"/>
+                <a:ea typeface="Malgun Gothic"/>
+                <a:cs typeface="Malgun Gothic"/>
+                <a:sym typeface="Malgun Gothic"/>
+              </a:rPr>
+              <a:t>, </a:t>
+            </a:r>
+          </a:p>
+          <a:p>
+            <a:pPr marL="457200" marR="0" lvl="0" indent="-342900" algn="l" defTabSz="914400" rtl="0" eaLnBrk="1" fontAlgn="auto" latinLnBrk="0" hangingPunct="1">
+              <a:lnSpc>
+                <a:spcPct val="90000"/>
+              </a:lnSpc>
+              <a:spcBef>
+                <a:spcPts val="1000"/>
+              </a:spcBef>
+              <a:spcAft>
+                <a:spcPts val="0"/>
+              </a:spcAft>
+              <a:buClr>
+                <a:schemeClr val="dk1"/>
+              </a:buClr>
+              <a:buSzPts val="1800"/>
+              <a:buFont typeface="Arial"/>
+              <a:buChar char="•"/>
+              <a:tabLst/>
+              <a:defRPr/>
+            </a:pPr>
+            <a:r>
+              <a:rPr kumimoji="0" lang="ko-KR" altLang="en-US" sz="2800" b="0" i="0" u="none" strike="noStrike" kern="0" cap="none" spc="0" normalizeH="0" baseline="0" noProof="0" dirty="0" smtClean="0">
+                <a:ln>
+                  <a:noFill/>
+                </a:ln>
+                <a:solidFill>
+                  <a:schemeClr val="dk1"/>
+                </a:solidFill>
+                <a:effectLst/>
+                <a:uLnTx/>
+                <a:uFillTx/>
+                <a:latin typeface="Malgun Gothic"/>
+                <a:ea typeface="Malgun Gothic"/>
+                <a:cs typeface="Malgun Gothic"/>
+                <a:sym typeface="Malgun Gothic"/>
+              </a:rPr>
+              <a:t>대관 신청 관리</a:t>
+            </a:r>
+            <a:endParaRPr kumimoji="0" lang="en-US" altLang="ko-KR" sz="2800" b="0" i="0" u="none" strike="noStrike" kern="0" cap="none" spc="0" normalizeH="0" baseline="0" noProof="0" dirty="0" smtClean="0">
+              <a:ln>
+                <a:noFill/>
+              </a:ln>
+              <a:solidFill>
+                <a:schemeClr val="dk1"/>
+              </a:solidFill>
+              <a:effectLst/>
+              <a:uLnTx/>
+              <a:uFillTx/>
+              <a:latin typeface="Malgun Gothic"/>
+              <a:ea typeface="Malgun Gothic"/>
+              <a:cs typeface="Malgun Gothic"/>
+              <a:sym typeface="Malgun Gothic"/>
+            </a:endParaRPr>
+          </a:p>
+          <a:p>
+            <a:pPr marL="457200" marR="0" lvl="0" indent="-342900" algn="l" defTabSz="914400" rtl="0" eaLnBrk="1" fontAlgn="auto" latinLnBrk="0" hangingPunct="1">
+              <a:lnSpc>
+                <a:spcPct val="90000"/>
+              </a:lnSpc>
+              <a:spcBef>
+                <a:spcPts val="1000"/>
+              </a:spcBef>
+              <a:spcAft>
+                <a:spcPts val="0"/>
+              </a:spcAft>
+              <a:buClr>
+                <a:schemeClr val="dk1"/>
+              </a:buClr>
+              <a:buSzPts val="1800"/>
+              <a:buFont typeface="Arial"/>
+              <a:buChar char="•"/>
+              <a:tabLst/>
+              <a:defRPr/>
+            </a:pPr>
+            <a:r>
+              <a:rPr kumimoji="0" lang="ko-KR" altLang="en-US" sz="2800" b="0" i="0" u="none" strike="noStrike" kern="0" cap="none" spc="0" normalizeH="0" baseline="0" noProof="0" dirty="0" smtClean="0">
+                <a:ln>
+                  <a:noFill/>
+                </a:ln>
+                <a:solidFill>
+                  <a:schemeClr val="dk1"/>
+                </a:solidFill>
+                <a:effectLst/>
+                <a:uLnTx/>
+                <a:uFillTx/>
+                <a:latin typeface="Malgun Gothic"/>
+                <a:ea typeface="Malgun Gothic"/>
+                <a:cs typeface="Malgun Gothic"/>
+                <a:sym typeface="Malgun Gothic"/>
+              </a:rPr>
+              <a:t>회원 신고 관리</a:t>
+            </a:r>
+            <a:r>
+              <a:rPr kumimoji="0" lang="en-US" altLang="ko-KR" sz="2800" b="0" i="0" u="none" strike="noStrike" kern="0" cap="none" spc="0" normalizeH="0" baseline="0" noProof="0" dirty="0" smtClean="0">
+                <a:ln>
+                  <a:noFill/>
+                </a:ln>
+                <a:solidFill>
+                  <a:schemeClr val="dk1"/>
+                </a:solidFill>
+                <a:effectLst/>
+                <a:uLnTx/>
+                <a:uFillTx/>
+                <a:latin typeface="Malgun Gothic"/>
+                <a:ea typeface="Malgun Gothic"/>
+                <a:cs typeface="Malgun Gothic"/>
+                <a:sym typeface="Malgun Gothic"/>
+              </a:rPr>
+              <a:t> , </a:t>
+            </a:r>
+          </a:p>
+          <a:p>
+            <a:pPr marL="457200" marR="0" lvl="0" indent="-342900" algn="l" defTabSz="914400" rtl="0" eaLnBrk="1" fontAlgn="auto" latinLnBrk="0" hangingPunct="1">
+              <a:lnSpc>
+                <a:spcPct val="90000"/>
+              </a:lnSpc>
+              <a:spcBef>
+                <a:spcPts val="1000"/>
+              </a:spcBef>
+              <a:spcAft>
+                <a:spcPts val="0"/>
+              </a:spcAft>
+              <a:buClr>
+                <a:schemeClr val="dk1"/>
+              </a:buClr>
+              <a:buSzPts val="1800"/>
+              <a:buFont typeface="Arial"/>
+              <a:buChar char="•"/>
+              <a:tabLst/>
+              <a:defRPr/>
+            </a:pPr>
+            <a:r>
+              <a:rPr kumimoji="0" lang="ko-KR" altLang="en-US" sz="2800" b="0" i="0" u="none" strike="noStrike" kern="0" cap="none" spc="0" normalizeH="0" baseline="0" noProof="0" dirty="0" smtClean="0">
+                <a:ln>
+                  <a:noFill/>
+                </a:ln>
+                <a:solidFill>
+                  <a:schemeClr val="dk1"/>
+                </a:solidFill>
+                <a:effectLst/>
+                <a:uLnTx/>
+                <a:uFillTx/>
+                <a:latin typeface="Malgun Gothic"/>
+                <a:ea typeface="Malgun Gothic"/>
+                <a:cs typeface="Malgun Gothic"/>
+                <a:sym typeface="Malgun Gothic"/>
+              </a:rPr>
+              <a:t>커뮤니티 관리</a:t>
+            </a:r>
+            <a:r>
+              <a:rPr kumimoji="0" lang="en-US" altLang="ko-KR" sz="2800" b="0" i="0" u="none" strike="noStrike" kern="0" cap="none" spc="0" normalizeH="0" baseline="0" noProof="0" dirty="0" smtClean="0">
+                <a:ln>
+                  <a:noFill/>
+                </a:ln>
+                <a:solidFill>
+                  <a:schemeClr val="dk1"/>
+                </a:solidFill>
+                <a:effectLst/>
+                <a:uLnTx/>
+                <a:uFillTx/>
+                <a:latin typeface="Malgun Gothic"/>
+                <a:ea typeface="Malgun Gothic"/>
+                <a:cs typeface="Malgun Gothic"/>
+                <a:sym typeface="Malgun Gothic"/>
+              </a:rPr>
+              <a:t>(</a:t>
+            </a:r>
+            <a:r>
+              <a:rPr kumimoji="0" lang="ko-KR" altLang="en-US" sz="2800" b="0" i="0" u="none" strike="noStrike" kern="0" cap="none" spc="0" normalizeH="0" baseline="0" noProof="0" dirty="0" smtClean="0">
+                <a:ln>
+                  <a:noFill/>
+                </a:ln>
+                <a:solidFill>
+                  <a:schemeClr val="dk1"/>
+                </a:solidFill>
+                <a:effectLst/>
+                <a:uLnTx/>
+                <a:uFillTx/>
+                <a:latin typeface="Malgun Gothic"/>
+                <a:ea typeface="Malgun Gothic"/>
+                <a:cs typeface="Malgun Gothic"/>
+                <a:sym typeface="Malgun Gothic"/>
+              </a:rPr>
+              <a:t>공지사항</a:t>
+            </a:r>
+            <a:r>
+              <a:rPr kumimoji="0" lang="en-US" altLang="ko-KR" sz="2800" b="0" i="0" u="none" strike="noStrike" kern="0" cap="none" spc="0" normalizeH="0" baseline="0" noProof="0" dirty="0" smtClean="0">
+                <a:ln>
+                  <a:noFill/>
+                </a:ln>
+                <a:solidFill>
+                  <a:schemeClr val="dk1"/>
+                </a:solidFill>
+                <a:effectLst/>
+                <a:uLnTx/>
+                <a:uFillTx/>
+                <a:latin typeface="Malgun Gothic"/>
+                <a:ea typeface="Malgun Gothic"/>
+                <a:cs typeface="Malgun Gothic"/>
+                <a:sym typeface="Malgun Gothic"/>
+              </a:rPr>
+              <a:t>,</a:t>
+            </a:r>
+            <a:r>
+              <a:rPr kumimoji="0" lang="ko-KR" altLang="en-US" sz="2800" b="0" i="0" u="none" strike="noStrike" kern="0" cap="none" spc="0" normalizeH="0" baseline="0" noProof="0" dirty="0" smtClean="0">
+                <a:ln>
+                  <a:noFill/>
+                </a:ln>
+                <a:solidFill>
+                  <a:schemeClr val="dk1"/>
+                </a:solidFill>
+                <a:effectLst/>
+                <a:uLnTx/>
+                <a:uFillTx/>
+                <a:latin typeface="Malgun Gothic"/>
+                <a:ea typeface="Malgun Gothic"/>
+                <a:cs typeface="Malgun Gothic"/>
+                <a:sym typeface="Malgun Gothic"/>
+              </a:rPr>
+              <a:t> </a:t>
+            </a:r>
+            <a:r>
+              <a:rPr kumimoji="0" lang="en-US" altLang="ko-KR" sz="2800" b="0" i="0" u="none" strike="noStrike" kern="0" cap="none" spc="0" normalizeH="0" baseline="0" noProof="0" dirty="0" smtClean="0">
+                <a:ln>
+                  <a:noFill/>
+                </a:ln>
+                <a:solidFill>
+                  <a:schemeClr val="dk1"/>
+                </a:solidFill>
+                <a:effectLst/>
+                <a:uLnTx/>
+                <a:uFillTx/>
+                <a:latin typeface="Malgun Gothic"/>
+                <a:ea typeface="Malgun Gothic"/>
+                <a:cs typeface="Malgun Gothic"/>
+                <a:sym typeface="Malgun Gothic"/>
+              </a:rPr>
+              <a:t>Q&amp;A), </a:t>
+            </a:r>
+          </a:p>
+          <a:p>
+            <a:pPr marL="457200" marR="0" lvl="0" indent="-342900" algn="l" defTabSz="914400" rtl="0" eaLnBrk="1" fontAlgn="auto" latinLnBrk="0" hangingPunct="1">
+              <a:lnSpc>
+                <a:spcPct val="90000"/>
+              </a:lnSpc>
+              <a:spcBef>
+                <a:spcPts val="1000"/>
+              </a:spcBef>
+              <a:spcAft>
+                <a:spcPts val="0"/>
+              </a:spcAft>
+              <a:buClr>
+                <a:schemeClr val="dk1"/>
+              </a:buClr>
+              <a:buSzPts val="1800"/>
+              <a:buFont typeface="Arial"/>
+              <a:buChar char="•"/>
+              <a:tabLst/>
+              <a:defRPr/>
+            </a:pPr>
+            <a:r>
+              <a:rPr kumimoji="0" lang="ko-KR" altLang="en-US" sz="2800" b="0" i="0" u="none" strike="noStrike" kern="0" cap="none" spc="0" normalizeH="0" baseline="0" noProof="0" dirty="0" smtClean="0">
+                <a:ln>
+                  <a:noFill/>
+                </a:ln>
+                <a:solidFill>
+                  <a:schemeClr val="dk1"/>
+                </a:solidFill>
+                <a:effectLst/>
+                <a:uLnTx/>
+                <a:uFillTx/>
+                <a:latin typeface="Malgun Gothic"/>
+                <a:ea typeface="Malgun Gothic"/>
+                <a:cs typeface="Malgun Gothic"/>
+                <a:sym typeface="Malgun Gothic"/>
+              </a:rPr>
+              <a:t>실시간 상담</a:t>
+            </a:r>
+            <a:endParaRPr kumimoji="0" lang="ko-KR" altLang="en-US" sz="2800" b="0" i="0" u="none" strike="noStrike" kern="0" cap="none" spc="0" normalizeH="0" baseline="0" noProof="0" dirty="0">
+              <a:ln>
+                <a:noFill/>
+              </a:ln>
+              <a:solidFill>
+                <a:schemeClr val="dk1"/>
+              </a:solidFill>
+              <a:effectLst/>
+              <a:uLnTx/>
+              <a:uFillTx/>
+              <a:latin typeface="Malgun Gothic"/>
+              <a:ea typeface="Malgun Gothic"/>
+              <a:cs typeface="Malgun Gothic"/>
+              <a:sym typeface="Malgun Gothic"/>
+            </a:endParaRPr>
           </a:p>
         </p:txBody>
       </p:sp>
